--- a/NISR_HACKATHON_BRIGHT_TEAM_PRESENTATION.pptx
+++ b/NISR_HACKATHON_BRIGHT_TEAM_PRESENTATION.pptx
@@ -270,7 +270,7 @@
           <a:p>
             <a:fld id="{EDEE86B4-7DED-4CA0-8002-B5F5FDC550A2}" type="datetimeFigureOut">
               <a:rPr lang="en-US" smtClean="0"/>
-              <a:t>11/30/2023</a:t>
+              <a:t>12/1/2023</a:t>
             </a:fld>
             <a:endParaRPr lang="en-US"/>
           </a:p>
@@ -468,7 +468,7 @@
           <a:p>
             <a:fld id="{EDEE86B4-7DED-4CA0-8002-B5F5FDC550A2}" type="datetimeFigureOut">
               <a:rPr lang="en-US" smtClean="0"/>
-              <a:t>11/30/2023</a:t>
+              <a:t>12/1/2023</a:t>
             </a:fld>
             <a:endParaRPr lang="en-US"/>
           </a:p>
@@ -676,7 +676,7 @@
           <a:p>
             <a:fld id="{EDEE86B4-7DED-4CA0-8002-B5F5FDC550A2}" type="datetimeFigureOut">
               <a:rPr lang="en-US" smtClean="0"/>
-              <a:t>11/30/2023</a:t>
+              <a:t>12/1/2023</a:t>
             </a:fld>
             <a:endParaRPr lang="en-US"/>
           </a:p>
@@ -874,7 +874,7 @@
           <a:p>
             <a:fld id="{EDEE86B4-7DED-4CA0-8002-B5F5FDC550A2}" type="datetimeFigureOut">
               <a:rPr lang="en-US" smtClean="0"/>
-              <a:t>11/30/2023</a:t>
+              <a:t>12/1/2023</a:t>
             </a:fld>
             <a:endParaRPr lang="en-US"/>
           </a:p>
@@ -1149,7 +1149,7 @@
           <a:p>
             <a:fld id="{EDEE86B4-7DED-4CA0-8002-B5F5FDC550A2}" type="datetimeFigureOut">
               <a:rPr lang="en-US" smtClean="0"/>
-              <a:t>11/30/2023</a:t>
+              <a:t>12/1/2023</a:t>
             </a:fld>
             <a:endParaRPr lang="en-US"/>
           </a:p>
@@ -1414,7 +1414,7 @@
           <a:p>
             <a:fld id="{EDEE86B4-7DED-4CA0-8002-B5F5FDC550A2}" type="datetimeFigureOut">
               <a:rPr lang="en-US" smtClean="0"/>
-              <a:t>11/30/2023</a:t>
+              <a:t>12/1/2023</a:t>
             </a:fld>
             <a:endParaRPr lang="en-US"/>
           </a:p>
@@ -1826,7 +1826,7 @@
           <a:p>
             <a:fld id="{EDEE86B4-7DED-4CA0-8002-B5F5FDC550A2}" type="datetimeFigureOut">
               <a:rPr lang="en-US" smtClean="0"/>
-              <a:t>11/30/2023</a:t>
+              <a:t>12/1/2023</a:t>
             </a:fld>
             <a:endParaRPr lang="en-US"/>
           </a:p>
@@ -1967,7 +1967,7 @@
           <a:p>
             <a:fld id="{EDEE86B4-7DED-4CA0-8002-B5F5FDC550A2}" type="datetimeFigureOut">
               <a:rPr lang="en-US" smtClean="0"/>
-              <a:t>11/30/2023</a:t>
+              <a:t>12/1/2023</a:t>
             </a:fld>
             <a:endParaRPr lang="en-US"/>
           </a:p>
@@ -2080,7 +2080,7 @@
           <a:p>
             <a:fld id="{EDEE86B4-7DED-4CA0-8002-B5F5FDC550A2}" type="datetimeFigureOut">
               <a:rPr lang="en-US" smtClean="0"/>
-              <a:t>11/30/2023</a:t>
+              <a:t>12/1/2023</a:t>
             </a:fld>
             <a:endParaRPr lang="en-US"/>
           </a:p>
@@ -2391,7 +2391,7 @@
           <a:p>
             <a:fld id="{EDEE86B4-7DED-4CA0-8002-B5F5FDC550A2}" type="datetimeFigureOut">
               <a:rPr lang="en-US" smtClean="0"/>
-              <a:t>11/30/2023</a:t>
+              <a:t>12/1/2023</a:t>
             </a:fld>
             <a:endParaRPr lang="en-US"/>
           </a:p>
@@ -2679,7 +2679,7 @@
           <a:p>
             <a:fld id="{EDEE86B4-7DED-4CA0-8002-B5F5FDC550A2}" type="datetimeFigureOut">
               <a:rPr lang="en-US" smtClean="0"/>
-              <a:t>11/30/2023</a:t>
+              <a:t>12/1/2023</a:t>
             </a:fld>
             <a:endParaRPr lang="en-US"/>
           </a:p>
@@ -2920,7 +2920,7 @@
           <a:p>
             <a:fld id="{EDEE86B4-7DED-4CA0-8002-B5F5FDC550A2}" type="datetimeFigureOut">
               <a:rPr lang="en-US" smtClean="0"/>
-              <a:t>11/30/2023</a:t>
+              <a:t>12/1/2023</a:t>
             </a:fld>
             <a:endParaRPr lang="en-US"/>
           </a:p>
@@ -4206,11 +4206,11 @@
           <a:lstStyle/>
           <a:p>
             <a:r>
-              <a:rPr lang="en-US" sz="3600" b="1" i="0">
+              <a:rPr lang="en-US" sz="3600" b="1" i="0" dirty="0">
                 <a:effectLst/>
                 <a:latin typeface="-apple-system"/>
               </a:rPr>
-              <a:t>3. Agriculture Land Use, Crop production And Yields</a:t>
+              <a:t>3. Land Use, Crop production And Yields</a:t>
             </a:r>
           </a:p>
         </p:txBody>
@@ -4326,7 +4326,7 @@
                 <a:effectLst/>
                 <a:latin typeface="-apple-system"/>
               </a:rPr>
-              <a:t>Change In Cross Value Of Major Crops from 2016-2022</a:t>
+              <a:t>Change In Crops Value Of Major Crops from 2016-2022</a:t>
             </a:r>
           </a:p>
           <a:p>
